--- a/교육내용 ppt정리/Thymeleaf 기본문법.pptx
+++ b/교육내용 ppt정리/Thymeleaf 기본문법.pptx
@@ -5,7 +5,7 @@
     <p:sldMasterId id="2147483648" r:id="rId1"/>
   </p:sldMasterIdLst>
   <p:notesMasterIdLst>
-    <p:notesMasterId r:id="rId12"/>
+    <p:notesMasterId r:id="rId13"/>
   </p:notesMasterIdLst>
   <p:sldIdLst>
     <p:sldId id="292" r:id="rId2"/>
@@ -17,7 +17,8 @@
     <p:sldId id="605" r:id="rId8"/>
     <p:sldId id="606" r:id="rId9"/>
     <p:sldId id="607" r:id="rId10"/>
-    <p:sldId id="256" r:id="rId11"/>
+    <p:sldId id="608" r:id="rId11"/>
+    <p:sldId id="256" r:id="rId12"/>
   </p:sldIdLst>
   <p:sldSz cx="12192000" cy="6858000"/>
   <p:notesSz cx="6858000" cy="9144000"/>
@@ -229,7 +230,7 @@
           <a:p>
             <a:fld id="{849F605E-4EE3-44BB-B612-5F80701AE4C5}" type="datetimeFigureOut">
               <a:rPr lang="ko-KR" altLang="en-US" smtClean="0"/>
-              <a:t>2022-12-05</a:t>
+              <a:t>2022-12-06</a:t>
             </a:fld>
             <a:endParaRPr lang="ko-KR" altLang="en-US"/>
           </a:p>
@@ -643,7 +644,7 @@
           <a:p>
             <a:fld id="{3F8A50C2-589C-42C8-B763-56D87D9D16BD}" type="datetimeFigureOut">
               <a:rPr lang="ko-KR" altLang="en-US" smtClean="0"/>
-              <a:t>2022-12-05</a:t>
+              <a:t>2022-12-06</a:t>
             </a:fld>
             <a:endParaRPr lang="ko-KR" altLang="en-US"/>
           </a:p>
@@ -931,7 +932,7 @@
           <a:p>
             <a:fld id="{3F8A50C2-589C-42C8-B763-56D87D9D16BD}" type="datetimeFigureOut">
               <a:rPr lang="ko-KR" altLang="en-US" smtClean="0"/>
-              <a:t>2022-12-05</a:t>
+              <a:t>2022-12-06</a:t>
             </a:fld>
             <a:endParaRPr lang="ko-KR" altLang="en-US"/>
           </a:p>
@@ -1129,7 +1130,7 @@
           <a:p>
             <a:fld id="{3F8A50C2-589C-42C8-B763-56D87D9D16BD}" type="datetimeFigureOut">
               <a:rPr lang="ko-KR" altLang="en-US" smtClean="0"/>
-              <a:t>2022-12-05</a:t>
+              <a:t>2022-12-06</a:t>
             </a:fld>
             <a:endParaRPr lang="ko-KR" altLang="en-US"/>
           </a:p>
@@ -1337,7 +1338,7 @@
           <a:p>
             <a:fld id="{3F8A50C2-589C-42C8-B763-56D87D9D16BD}" type="datetimeFigureOut">
               <a:rPr lang="ko-KR" altLang="en-US" smtClean="0"/>
-              <a:t>2022-12-05</a:t>
+              <a:t>2022-12-06</a:t>
             </a:fld>
             <a:endParaRPr lang="ko-KR" altLang="en-US"/>
           </a:p>
@@ -1535,7 +1536,7 @@
           <a:p>
             <a:fld id="{3F8A50C2-589C-42C8-B763-56D87D9D16BD}" type="datetimeFigureOut">
               <a:rPr lang="ko-KR" altLang="en-US" smtClean="0"/>
-              <a:t>2022-12-05</a:t>
+              <a:t>2022-12-06</a:t>
             </a:fld>
             <a:endParaRPr lang="ko-KR" altLang="en-US"/>
           </a:p>
@@ -1810,7 +1811,7 @@
           <a:p>
             <a:fld id="{3F8A50C2-589C-42C8-B763-56D87D9D16BD}" type="datetimeFigureOut">
               <a:rPr lang="ko-KR" altLang="en-US" smtClean="0"/>
-              <a:t>2022-12-05</a:t>
+              <a:t>2022-12-06</a:t>
             </a:fld>
             <a:endParaRPr lang="ko-KR" altLang="en-US"/>
           </a:p>
@@ -2075,7 +2076,7 @@
           <a:p>
             <a:fld id="{3F8A50C2-589C-42C8-B763-56D87D9D16BD}" type="datetimeFigureOut">
               <a:rPr lang="ko-KR" altLang="en-US" smtClean="0"/>
-              <a:t>2022-12-05</a:t>
+              <a:t>2022-12-06</a:t>
             </a:fld>
             <a:endParaRPr lang="ko-KR" altLang="en-US"/>
           </a:p>
@@ -2487,7 +2488,7 @@
           <a:p>
             <a:fld id="{3F8A50C2-589C-42C8-B763-56D87D9D16BD}" type="datetimeFigureOut">
               <a:rPr lang="ko-KR" altLang="en-US" smtClean="0"/>
-              <a:t>2022-12-05</a:t>
+              <a:t>2022-12-06</a:t>
             </a:fld>
             <a:endParaRPr lang="ko-KR" altLang="en-US"/>
           </a:p>
@@ -2628,7 +2629,7 @@
           <a:p>
             <a:fld id="{3F8A50C2-589C-42C8-B763-56D87D9D16BD}" type="datetimeFigureOut">
               <a:rPr lang="ko-KR" altLang="en-US" smtClean="0"/>
-              <a:t>2022-12-05</a:t>
+              <a:t>2022-12-06</a:t>
             </a:fld>
             <a:endParaRPr lang="ko-KR" altLang="en-US"/>
           </a:p>
@@ -2741,7 +2742,7 @@
           <a:p>
             <a:fld id="{3F8A50C2-589C-42C8-B763-56D87D9D16BD}" type="datetimeFigureOut">
               <a:rPr lang="ko-KR" altLang="en-US" smtClean="0"/>
-              <a:t>2022-12-05</a:t>
+              <a:t>2022-12-06</a:t>
             </a:fld>
             <a:endParaRPr lang="ko-KR" altLang="en-US"/>
           </a:p>
@@ -3001,7 +3002,7 @@
           <a:p>
             <a:fld id="{3F8A50C2-589C-42C8-B763-56D87D9D16BD}" type="datetimeFigureOut">
               <a:rPr lang="ko-KR" altLang="en-US" smtClean="0"/>
-              <a:t>2022-12-05</a:t>
+              <a:t>2022-12-06</a:t>
             </a:fld>
             <a:endParaRPr lang="ko-KR" altLang="en-US"/>
           </a:p>
@@ -3312,7 +3313,7 @@
           <a:p>
             <a:fld id="{3F8A50C2-589C-42C8-B763-56D87D9D16BD}" type="datetimeFigureOut">
               <a:rPr lang="ko-KR" altLang="en-US" smtClean="0"/>
-              <a:t>2022-12-05</a:t>
+              <a:t>2022-12-06</a:t>
             </a:fld>
             <a:endParaRPr lang="ko-KR" altLang="en-US"/>
           </a:p>
@@ -3553,7 +3554,7 @@
           <a:p>
             <a:fld id="{3F8A50C2-589C-42C8-B763-56D87D9D16BD}" type="datetimeFigureOut">
               <a:rPr lang="ko-KR" altLang="en-US" smtClean="0"/>
-              <a:t>2022-12-05</a:t>
+              <a:t>2022-12-06</a:t>
             </a:fld>
             <a:endParaRPr lang="ko-KR" altLang="en-US"/>
           </a:p>
@@ -4148,6 +4149,364 @@
 <file path=ppt/slides/slide10.xml><?xml version="1.0" encoding="utf-8"?>
 <p:sld xmlns:a="http://schemas.openxmlformats.org/drawingml/2006/main" xmlns:r="http://schemas.openxmlformats.org/officeDocument/2006/relationships" xmlns:p="http://schemas.openxmlformats.org/presentationml/2006/main">
   <p:cSld>
+    <p:bg>
+      <p:bgPr>
+        <a:solidFill>
+          <a:schemeClr val="bg2"/>
+        </a:solidFill>
+        <a:effectLst/>
+      </p:bgPr>
+    </p:bg>
+    <p:spTree>
+      <p:nvGrpSpPr>
+        <p:cNvPr id="1" name=""/>
+        <p:cNvGrpSpPr/>
+        <p:nvPr/>
+      </p:nvGrpSpPr>
+      <p:grpSpPr>
+        <a:xfrm>
+          <a:off x="0" y="0"/>
+          <a:ext cx="0" cy="0"/>
+          <a:chOff x="0" y="0"/>
+          <a:chExt cx="0" cy="0"/>
+        </a:xfrm>
+      </p:grpSpPr>
+      <p:sp>
+        <p:nvSpPr>
+          <p:cNvPr id="2" name="직사각형 1"/>
+          <p:cNvSpPr/>
+          <p:nvPr/>
+        </p:nvSpPr>
+        <p:spPr>
+          <a:xfrm>
+            <a:off x="166255" y="6409113"/>
+            <a:ext cx="12025745" cy="232756"/>
+          </a:xfrm>
+          <a:prstGeom prst="rect">
+            <a:avLst/>
+          </a:prstGeom>
+          <a:ln>
+            <a:noFill/>
+          </a:ln>
+        </p:spPr>
+        <p:style>
+          <a:lnRef idx="2">
+            <a:schemeClr val="accent1">
+              <a:shade val="50000"/>
+            </a:schemeClr>
+          </a:lnRef>
+          <a:fillRef idx="1">
+            <a:schemeClr val="accent1"/>
+          </a:fillRef>
+          <a:effectRef idx="0">
+            <a:schemeClr val="accent1"/>
+          </a:effectRef>
+          <a:fontRef idx="minor">
+            <a:schemeClr val="lt1"/>
+          </a:fontRef>
+        </p:style>
+        <p:txBody>
+          <a:bodyPr rtlCol="0" anchor="ctr"/>
+          <a:lstStyle/>
+          <a:p>
+            <a:pPr algn="ctr"/>
+            <a:endParaRPr lang="ko-KR" altLang="en-US" dirty="0">
+              <a:latin typeface="맑은 고딕" panose="020B0503020000020004" pitchFamily="50" charset="-127"/>
+              <a:ea typeface="맑은 고딕" panose="020B0503020000020004" pitchFamily="50" charset="-127"/>
+            </a:endParaRPr>
+          </a:p>
+        </p:txBody>
+      </p:sp>
+      <p:sp>
+        <p:nvSpPr>
+          <p:cNvPr id="5" name="TextBox 4">
+            <a:extLst>
+              <a:ext uri="{FF2B5EF4-FFF2-40B4-BE49-F238E27FC236}">
+                <a16:creationId xmlns:a16="http://schemas.microsoft.com/office/drawing/2014/main" id="{E9E4E03B-DC2B-4AB1-AA88-841F77488FB8}"/>
+              </a:ext>
+            </a:extLst>
+          </p:cNvPr>
+          <p:cNvSpPr txBox="1"/>
+          <p:nvPr/>
+        </p:nvSpPr>
+        <p:spPr>
+          <a:xfrm flipH="1">
+            <a:off x="415634" y="112894"/>
+            <a:ext cx="7963596" cy="646331"/>
+          </a:xfrm>
+          <a:prstGeom prst="rect">
+            <a:avLst/>
+          </a:prstGeom>
+          <a:noFill/>
+        </p:spPr>
+        <p:txBody>
+          <a:bodyPr wrap="square" rtlCol="0">
+            <a:spAutoFit/>
+          </a:bodyPr>
+          <a:lstStyle/>
+          <a:p>
+            <a:r>
+              <a:rPr lang="en-US" altLang="ko-KR" sz="3600" b="1" dirty="0">
+                <a:latin typeface="맑은 고딕" panose="020B0503020000020004" pitchFamily="50" charset="-127"/>
+                <a:ea typeface="맑은 고딕" panose="020B0503020000020004" pitchFamily="50" charset="-127"/>
+              </a:rPr>
+              <a:t>Thymeleaf</a:t>
+            </a:r>
+          </a:p>
+        </p:txBody>
+      </p:sp>
+      <p:cxnSp>
+        <p:nvCxnSpPr>
+          <p:cNvPr id="8" name="직선 연결선 7">
+            <a:extLst>
+              <a:ext uri="{FF2B5EF4-FFF2-40B4-BE49-F238E27FC236}">
+                <a16:creationId xmlns:a16="http://schemas.microsoft.com/office/drawing/2014/main" id="{91783D2F-737E-4797-9853-8C85BE37E236}"/>
+              </a:ext>
+            </a:extLst>
+          </p:cNvPr>
+          <p:cNvCxnSpPr/>
+          <p:nvPr/>
+        </p:nvCxnSpPr>
+        <p:spPr>
+          <a:xfrm>
+            <a:off x="0" y="759225"/>
+            <a:ext cx="12192000" cy="0"/>
+          </a:xfrm>
+          <a:prstGeom prst="line">
+            <a:avLst/>
+          </a:prstGeom>
+        </p:spPr>
+        <p:style>
+          <a:lnRef idx="1">
+            <a:schemeClr val="accent1"/>
+          </a:lnRef>
+          <a:fillRef idx="0">
+            <a:schemeClr val="accent1"/>
+          </a:fillRef>
+          <a:effectRef idx="0">
+            <a:schemeClr val="accent1"/>
+          </a:effectRef>
+          <a:fontRef idx="minor">
+            <a:schemeClr val="tx1"/>
+          </a:fontRef>
+        </p:style>
+      </p:cxnSp>
+      <p:sp>
+        <p:nvSpPr>
+          <p:cNvPr id="32" name="직사각형 31">
+            <a:extLst>
+              <a:ext uri="{FF2B5EF4-FFF2-40B4-BE49-F238E27FC236}">
+                <a16:creationId xmlns:a16="http://schemas.microsoft.com/office/drawing/2014/main" id="{98821DDD-1E06-30FB-DEE7-7EBB14409045}"/>
+              </a:ext>
+            </a:extLst>
+          </p:cNvPr>
+          <p:cNvSpPr/>
+          <p:nvPr/>
+        </p:nvSpPr>
+        <p:spPr>
+          <a:xfrm>
+            <a:off x="415634" y="956173"/>
+            <a:ext cx="11203118" cy="1754326"/>
+          </a:xfrm>
+          <a:prstGeom prst="rect">
+            <a:avLst/>
+          </a:prstGeom>
+        </p:spPr>
+        <p:txBody>
+          <a:bodyPr wrap="square">
+            <a:spAutoFit/>
+          </a:bodyPr>
+          <a:lstStyle/>
+          <a:p>
+            <a:pPr>
+              <a:lnSpc>
+                <a:spcPct val="150000"/>
+              </a:lnSpc>
+            </a:pPr>
+            <a:r>
+              <a:rPr lang="en-US" altLang="ko-KR" sz="1600" b="1" dirty="0" smtClean="0">
+                <a:latin typeface="맑은 고딕" panose="020B0503020000020004" pitchFamily="50" charset="-127"/>
+                <a:ea typeface="맑은 고딕" panose="020B0503020000020004" pitchFamily="50" charset="-127"/>
+              </a:rPr>
+              <a:t>Template Layout</a:t>
+            </a:r>
+            <a:endParaRPr lang="en-US" altLang="ko-KR" sz="1600" b="1" dirty="0">
+              <a:latin typeface="맑은 고딕" panose="020B0503020000020004" pitchFamily="50" charset="-127"/>
+              <a:ea typeface="맑은 고딕" panose="020B0503020000020004" pitchFamily="50" charset="-127"/>
+            </a:endParaRPr>
+          </a:p>
+          <a:p>
+            <a:pPr marL="342900" indent="-342900">
+              <a:lnSpc>
+                <a:spcPct val="200000"/>
+              </a:lnSpc>
+              <a:buFont typeface="Wingdings" panose="05000000000000000000" pitchFamily="2" charset="2"/>
+              <a:buChar char="§"/>
+            </a:pPr>
+            <a:r>
+              <a:rPr lang="ko-KR" altLang="en-US" sz="1400" dirty="0">
+                <a:latin typeface="맑은 고딕" panose="020B0503020000020004" pitchFamily="50" charset="-127"/>
+                <a:ea typeface="맑은 고딕" panose="020B0503020000020004" pitchFamily="50" charset="-127"/>
+              </a:rPr>
+              <a:t> </a:t>
+            </a:r>
+            <a:r>
+              <a:rPr lang="en-US" altLang="ko-KR" sz="1400" dirty="0" err="1" smtClean="0">
+                <a:latin typeface="맑은 고딕" panose="020B0503020000020004" pitchFamily="50" charset="-127"/>
+                <a:ea typeface="맑은 고딕" panose="020B0503020000020004" pitchFamily="50" charset="-127"/>
+              </a:rPr>
+              <a:t>th:fragement</a:t>
+            </a:r>
+            <a:r>
+              <a:rPr lang="ko-KR" altLang="en-US" sz="1400" dirty="0" smtClean="0">
+                <a:latin typeface="맑은 고딕" panose="020B0503020000020004" pitchFamily="50" charset="-127"/>
+                <a:ea typeface="맑은 고딕" panose="020B0503020000020004" pitchFamily="50" charset="-127"/>
+              </a:rPr>
+              <a:t>를 사용하여</a:t>
+            </a:r>
+            <a:r>
+              <a:rPr lang="en-US" altLang="ko-KR" sz="1400" dirty="0" smtClean="0">
+                <a:latin typeface="맑은 고딕" panose="020B0503020000020004" pitchFamily="50" charset="-127"/>
+                <a:ea typeface="맑은 고딕" panose="020B0503020000020004" pitchFamily="50" charset="-127"/>
+              </a:rPr>
+              <a:t>, fragment</a:t>
+            </a:r>
+            <a:r>
+              <a:rPr lang="ko-KR" altLang="en-US" sz="1400" dirty="0" smtClean="0">
+                <a:latin typeface="맑은 고딕" panose="020B0503020000020004" pitchFamily="50" charset="-127"/>
+                <a:ea typeface="맑은 고딕" panose="020B0503020000020004" pitchFamily="50" charset="-127"/>
+              </a:rPr>
+              <a:t>를 선언할 수 있다</a:t>
+            </a:r>
+            <a:r>
+              <a:rPr lang="en-US" altLang="ko-KR" sz="1400" dirty="0" smtClean="0">
+                <a:latin typeface="맑은 고딕" panose="020B0503020000020004" pitchFamily="50" charset="-127"/>
+                <a:ea typeface="맑은 고딕" panose="020B0503020000020004" pitchFamily="50" charset="-127"/>
+              </a:rPr>
+              <a:t>.</a:t>
+            </a:r>
+          </a:p>
+          <a:p>
+            <a:pPr marL="342900" indent="-342900">
+              <a:lnSpc>
+                <a:spcPct val="200000"/>
+              </a:lnSpc>
+              <a:buFont typeface="Wingdings" panose="05000000000000000000" pitchFamily="2" charset="2"/>
+              <a:buChar char="§"/>
+            </a:pPr>
+            <a:r>
+              <a:rPr lang="en-US" altLang="ko-KR" sz="1400" dirty="0" smtClean="0">
+                <a:latin typeface="맑은 고딕" panose="020B0503020000020004" pitchFamily="50" charset="-127"/>
+                <a:ea typeface="맑은 고딕" panose="020B0503020000020004" pitchFamily="50" charset="-127"/>
+              </a:rPr>
+              <a:t> fragment</a:t>
+            </a:r>
+            <a:r>
+              <a:rPr lang="ko-KR" altLang="en-US" sz="1400" dirty="0" smtClean="0">
+                <a:latin typeface="맑은 고딕" panose="020B0503020000020004" pitchFamily="50" charset="-127"/>
+                <a:ea typeface="맑은 고딕" panose="020B0503020000020004" pitchFamily="50" charset="-127"/>
+              </a:rPr>
+              <a:t>란</a:t>
+            </a:r>
+            <a:r>
+              <a:rPr lang="en-US" altLang="ko-KR" sz="1400" dirty="0" smtClean="0">
+                <a:latin typeface="맑은 고딕" panose="020B0503020000020004" pitchFamily="50" charset="-127"/>
+                <a:ea typeface="맑은 고딕" panose="020B0503020000020004" pitchFamily="50" charset="-127"/>
+              </a:rPr>
+              <a:t>, </a:t>
+            </a:r>
+            <a:r>
+              <a:rPr lang="ko-KR" altLang="en-US" sz="1400" dirty="0" smtClean="0">
+                <a:latin typeface="맑은 고딕" panose="020B0503020000020004" pitchFamily="50" charset="-127"/>
+                <a:ea typeface="맑은 고딕" panose="020B0503020000020004" pitchFamily="50" charset="-127"/>
+              </a:rPr>
+              <a:t>완전한 </a:t>
+            </a:r>
+            <a:r>
+              <a:rPr lang="en-US" altLang="ko-KR" sz="1400" dirty="0" smtClean="0">
+                <a:latin typeface="맑은 고딕" panose="020B0503020000020004" pitchFamily="50" charset="-127"/>
+                <a:ea typeface="맑은 고딕" panose="020B0503020000020004" pitchFamily="50" charset="-127"/>
+              </a:rPr>
+              <a:t>html </a:t>
+            </a:r>
+            <a:r>
+              <a:rPr lang="ko-KR" altLang="en-US" sz="1400" dirty="0" smtClean="0">
+                <a:latin typeface="맑은 고딕" panose="020B0503020000020004" pitchFamily="50" charset="-127"/>
+                <a:ea typeface="맑은 고딕" panose="020B0503020000020004" pitchFamily="50" charset="-127"/>
+              </a:rPr>
+              <a:t>문서가 아닌 </a:t>
+            </a:r>
+            <a:r>
+              <a:rPr lang="en-US" altLang="ko-KR" sz="1400" dirty="0" smtClean="0">
+                <a:latin typeface="맑은 고딕" panose="020B0503020000020004" pitchFamily="50" charset="-127"/>
+                <a:ea typeface="맑은 고딕" panose="020B0503020000020004" pitchFamily="50" charset="-127"/>
+              </a:rPr>
+              <a:t>html </a:t>
+            </a:r>
+            <a:r>
+              <a:rPr lang="ko-KR" altLang="en-US" sz="1400" dirty="0" smtClean="0">
+                <a:latin typeface="맑은 고딕" panose="020B0503020000020004" pitchFamily="50" charset="-127"/>
+                <a:ea typeface="맑은 고딕" panose="020B0503020000020004" pitchFamily="50" charset="-127"/>
+              </a:rPr>
+              <a:t>문서의 일부분을 이루는 코드 조각이다</a:t>
+            </a:r>
+            <a:r>
+              <a:rPr lang="en-US" altLang="ko-KR" sz="1400" dirty="0" smtClean="0">
+                <a:latin typeface="맑은 고딕" panose="020B0503020000020004" pitchFamily="50" charset="-127"/>
+                <a:ea typeface="맑은 고딕" panose="020B0503020000020004" pitchFamily="50" charset="-127"/>
+              </a:rPr>
+              <a:t>.</a:t>
+            </a:r>
+          </a:p>
+          <a:p>
+            <a:pPr>
+              <a:lnSpc>
+                <a:spcPct val="200000"/>
+              </a:lnSpc>
+            </a:pPr>
+            <a:r>
+              <a:rPr lang="en-US" altLang="ko-KR" sz="1400" dirty="0" smtClean="0">
+                <a:latin typeface="맑은 고딕" panose="020B0503020000020004" pitchFamily="50" charset="-127"/>
+                <a:ea typeface="맑은 고딕" panose="020B0503020000020004" pitchFamily="50" charset="-127"/>
+              </a:rPr>
+              <a:t>ex) </a:t>
+            </a:r>
+            <a:endParaRPr lang="en-US" altLang="ko-KR" sz="1400" dirty="0">
+              <a:latin typeface="맑은 고딕" panose="020B0503020000020004" pitchFamily="50" charset="-127"/>
+              <a:ea typeface="맑은 고딕" panose="020B0503020000020004" pitchFamily="50" charset="-127"/>
+            </a:endParaRPr>
+          </a:p>
+        </p:txBody>
+      </p:sp>
+    </p:spTree>
+    <p:extLst>
+      <p:ext uri="{BB962C8B-B14F-4D97-AF65-F5344CB8AC3E}">
+        <p14:creationId xmlns:p14="http://schemas.microsoft.com/office/powerpoint/2010/main" val="2841460922"/>
+      </p:ext>
+    </p:extLst>
+  </p:cSld>
+  <p:clrMapOvr>
+    <a:masterClrMapping/>
+  </p:clrMapOvr>
+  <p:timing>
+    <p:tnLst>
+      <p:par>
+        <p:cTn id="1" dur="indefinite" restart="never" nodeType="tmRoot">
+          <p:childTnLst>
+            <p:par>
+              <p:cTn id="2"/>
+            </p:par>
+          </p:childTnLst>
+        </p:cTn>
+      </p:par>
+    </p:tnLst>
+  </p:timing>
+</p:sld>
+</file>
+
+<file path=ppt/slides/slide11.xml><?xml version="1.0" encoding="utf-8"?>
+<p:sld xmlns:a="http://schemas.openxmlformats.org/drawingml/2006/main" xmlns:r="http://schemas.openxmlformats.org/officeDocument/2006/relationships" xmlns:p="http://schemas.openxmlformats.org/presentationml/2006/main">
+  <p:cSld>
     <p:spTree>
       <p:nvGrpSpPr>
         <p:cNvPr id="1" name=""/>
@@ -4316,13 +4675,13 @@
   <p:clrMapOvr>
     <a:masterClrMapping/>
   </p:clrMapOvr>
-  <mc:AlternateContent xmlns:mc="http://schemas.openxmlformats.org/markup-compatibility/2006" xmlns:p159="http://schemas.microsoft.com/office/powerpoint/2015/09/main">
-    <mc:Choice Requires="p159">
+  <mc:AlternateContent xmlns:mc="http://schemas.openxmlformats.org/markup-compatibility/2006">
+    <mc:Choice xmlns:p159="http://schemas.microsoft.com/office/powerpoint/2015/09/main" xmlns="" Requires="p159">
       <p:transition xmlns:p14="http://schemas.microsoft.com/office/powerpoint/2010/main" spd="slow" p14:dur="2000">
         <p159:morph option="byObject"/>
       </p:transition>
     </mc:Choice>
-    <mc:Fallback xmlns="">
+    <mc:Fallback>
       <p:transition spd="slow">
         <p:fade/>
       </p:transition>
